--- a/labs/lab07/presentation/presentation.pptx
+++ b/labs/lab07/presentation/presentation.pptx
@@ -20,17 +20,6 @@
     <p:sldId id="268" r:id="rId14"/>
     <p:sldId id="269" r:id="rId15"/>
     <p:sldId id="270" r:id="rId16"/>
-    <p:sldId id="271" r:id="rId17"/>
-    <p:sldId id="272" r:id="rId18"/>
-    <p:sldId id="273" r:id="rId19"/>
-    <p:sldId id="274" r:id="rId20"/>
-    <p:sldId id="275" r:id="rId21"/>
-    <p:sldId id="276" r:id="rId22"/>
-    <p:sldId id="277" r:id="rId23"/>
-    <p:sldId id="278" r:id="rId24"/>
-    <p:sldId id="279" r:id="rId25"/>
-    <p:sldId id="280" r:id="rId26"/>
-    <p:sldId id="281" r:id="rId27"/>
   </p:sldIdLst>
   <p:sldSz cx="9144000" cy="6858000" type="screen4x3"/>
   <p:notesSz cx="6858000" cy="9144000"/>
@@ -3325,127 +3314,7 @@
             </a:pPr>
             <a:r>
               <a:rPr/>
-              <a:t>Пример</a:t>
-            </a:r>
-            <a:r>
-              <a:rPr/>
-              <a:t> </a:t>
-            </a:r>
-            <a:r>
-              <a:rPr/>
-              <a:t>размещения</a:t>
-            </a:r>
-            <a:r>
-              <a:rPr/>
-              <a:t> </a:t>
-            </a:r>
-            <a:r>
-              <a:rPr/>
-              <a:t>в</a:t>
-            </a:r>
-            <a:r>
-              <a:rPr/>
-              <a:t> </a:t>
-            </a:r>
-            <a:r>
-              <a:rPr/>
-              <a:t>физической</a:t>
-            </a:r>
-            <a:r>
-              <a:rPr/>
-              <a:t> </a:t>
-            </a:r>
-            <a:r>
-              <a:rPr/>
-              <a:t>рабочей</a:t>
-            </a:r>
-            <a:r>
-              <a:rPr/>
-              <a:t> </a:t>
-            </a:r>
-            <a:r>
-              <a:rPr/>
-              <a:t>области</a:t>
-            </a:r>
-            <a:r>
-              <a:rPr/>
-              <a:t> </a:t>
-            </a:r>
-            <a:r>
-              <a:rPr/>
-              <a:t>Packet</a:t>
-            </a:r>
-            <a:r>
-              <a:rPr/>
-              <a:t> </a:t>
-            </a:r>
-            <a:r>
-              <a:rPr/>
-              <a:t>Tracer</a:t>
-            </a:r>
-            <a:r>
-              <a:rPr/>
-              <a:t> </a:t>
-            </a:r>
-            <a:r>
-              <a:rPr/>
-              <a:t>серверной</a:t>
-            </a:r>
-            <a:r>
-              <a:rPr/>
-              <a:t> </a:t>
-            </a:r>
-            <a:r>
-              <a:rPr/>
-              <a:t>с</a:t>
-            </a:r>
-            <a:r>
-              <a:rPr/>
-              <a:t> </a:t>
-            </a:r>
-            <a:r>
-              <a:rPr/>
-              <a:t>подключением</a:t>
-            </a:r>
-            <a:r>
-              <a:rPr/>
-              <a:t> </a:t>
-            </a:r>
-            <a:r>
-              <a:rPr/>
-              <a:t>оконечных</a:t>
-            </a:r>
-            <a:r>
-              <a:rPr/>
-              <a:t> </a:t>
-            </a:r>
-            <a:r>
-              <a:rPr/>
-              <a:t>устройств</a:t>
-            </a:r>
-            <a:r>
-              <a:rPr/>
-              <a:t> </a:t>
-            </a:r>
-            <a:r>
-              <a:rPr/>
-              <a:t>(сеть</a:t>
-            </a:r>
-            <a:r>
-              <a:rPr/>
-              <a:t> </a:t>
-            </a:r>
-            <a:r>
-              <a:rPr/>
-              <a:t>территории</a:t>
-            </a:r>
-            <a:r>
-              <a:rPr/>
-              <a:t> </a:t>
-            </a:r>
-            <a:r>
-              <a:rPr/>
-              <a:t>«Донская»)</a:t>
+              <a:t>5</a:t>
             </a:r>
           </a:p>
         </p:txBody>
@@ -3457,7 +3326,7 @@
             <a:spLocks noGrp="1"/>
           </p:cNvSpPr>
           <p:nvPr>
-            <p:ph idx="1"/>
+            <p:ph idx="1" sz="half"/>
           </p:nvPr>
         </p:nvSpPr>
         <p:spPr/>
@@ -3470,11 +3339,41 @@
             </a:pPr>
             <a:r>
               <a:rPr/>
-              <a:t>::: ::: {.column width=“70%”}</a:t>
-            </a:r>
-          </a:p>
-        </p:txBody>
-      </p:sp>
+              <a:t>Отображение серверных стоек в Packet Tracer</a:t>
+            </a:r>
+          </a:p>
+        </p:txBody>
+      </p:sp>
+      <p:pic>
+        <p:nvPicPr>
+          <p:cNvPr descr="./image/5.PNG" id="0" name="Picture 1"/>
+          <p:cNvPicPr>
+            <a:picLocks noGrp="1" noChangeAspect="1"/>
+          </p:cNvPicPr>
+          <p:nvPr/>
+        </p:nvPicPr>
+        <p:blipFill>
+          <a:blip r:embed="rId2"/>
+          <a:stretch>
+            <a:fillRect/>
+          </a:stretch>
+        </p:blipFill>
+        <p:spPr bwMode="auto">
+          <a:xfrm>
+            <a:off x="5499100" y="1600200"/>
+            <a:ext cx="2336800" cy="4521200"/>
+          </a:xfrm>
+          <a:prstGeom prst="rect">
+            <a:avLst/>
+          </a:prstGeom>
+          <a:noFill/>
+          <a:ln w="9525">
+            <a:noFill/>
+            <a:headEnd/>
+            <a:tailEnd/>
+          </a:ln>
+        </p:spPr>
+      </p:pic>
     </p:spTree>
   </p:cSld>
 </p:sld>
@@ -3497,9 +3396,59 @@
           <a:chExt cx="0" cy="0"/>
         </a:xfrm>
       </p:grpSpPr>
+      <p:sp>
+        <p:nvSpPr>
+          <p:cNvPr id="2" name="Title 1"/>
+          <p:cNvSpPr>
+            <a:spLocks noGrp="1"/>
+          </p:cNvSpPr>
+          <p:nvPr>
+            <p:ph type="title"/>
+          </p:nvPr>
+        </p:nvSpPr>
+        <p:spPr/>
+        <p:txBody>
+          <a:bodyPr/>
+          <a:lstStyle/>
+          <a:p>
+            <a:pPr lvl="0" marL="0" indent="0">
+              <a:buNone/>
+            </a:pPr>
+            <a:r>
+              <a:rPr/>
+              <a:t>6</a:t>
+            </a:r>
+          </a:p>
+        </p:txBody>
+      </p:sp>
+      <p:sp>
+        <p:nvSpPr>
+          <p:cNvPr id="3" name="Content Placeholder 2"/>
+          <p:cNvSpPr>
+            <a:spLocks noGrp="1"/>
+          </p:cNvSpPr>
+          <p:nvPr>
+            <p:ph idx="1" sz="half"/>
+          </p:nvPr>
+        </p:nvSpPr>
+        <p:spPr/>
+        <p:txBody>
+          <a:bodyPr/>
+          <a:lstStyle/>
+          <a:p>
+            <a:pPr lvl="0" marL="0" indent="0">
+              <a:buNone/>
+            </a:pPr>
+            <a:r>
+              <a:rPr/>
+              <a:t>Повторитель с портами PT-REPEATER-NM-1FFE и PT-REPEATER-NM-1CFE для подключения оптоволокна и витой пары по технологии Fast Ethernet</a:t>
+            </a:r>
+          </a:p>
+        </p:txBody>
+      </p:sp>
       <p:pic>
         <p:nvPicPr>
-          <p:cNvPr descr="./image/4.PNG" id="0" name="Picture 1"/>
+          <p:cNvPr descr="./image/6.PNG" id="0" name="Picture 1"/>
           <p:cNvPicPr>
             <a:picLocks noGrp="1" noChangeAspect="1"/>
           </p:cNvPicPr>
@@ -3513,8 +3462,8 @@
         </p:blipFill>
         <p:spPr bwMode="auto">
           <a:xfrm>
-            <a:off x="1625600" y="1600200"/>
-            <a:ext cx="5880100" cy="4521200"/>
+            <a:off x="4648200" y="1803400"/>
+            <a:ext cx="4038600" cy="4102100"/>
           </a:xfrm>
           <a:prstGeom prst="rect">
             <a:avLst/>
@@ -3551,12 +3500,37 @@
       </p:grpSpPr>
       <p:sp>
         <p:nvSpPr>
+          <p:cNvPr id="2" name="Title 1"/>
+          <p:cNvSpPr>
+            <a:spLocks noGrp="1"/>
+          </p:cNvSpPr>
+          <p:nvPr>
+            <p:ph type="title"/>
+          </p:nvPr>
+        </p:nvSpPr>
+        <p:spPr/>
+        <p:txBody>
+          <a:bodyPr/>
+          <a:lstStyle/>
+          <a:p>
+            <a:pPr lvl="0" marL="0" indent="0">
+              <a:buNone/>
+            </a:pPr>
+            <a:r>
+              <a:rPr/>
+              <a:t>7</a:t>
+            </a:r>
+          </a:p>
+        </p:txBody>
+      </p:sp>
+      <p:sp>
+        <p:nvSpPr>
           <p:cNvPr id="3" name="Content Placeholder 2"/>
           <p:cNvSpPr>
             <a:spLocks noGrp="1"/>
           </p:cNvSpPr>
           <p:nvPr>
-            <p:ph idx="1"/>
+            <p:ph idx="1" sz="half"/>
           </p:nvPr>
         </p:nvSpPr>
         <p:spPr/>
@@ -3569,11 +3543,41 @@
             </a:pPr>
             <a:r>
               <a:rPr/>
-              <a:t>::: ::::::::::::::</a:t>
-            </a:r>
-          </a:p>
-        </p:txBody>
-      </p:sp>
+              <a:t>Схема сети с учётом физических параметров сети в логической рабочей области Packet Tracer</a:t>
+            </a:r>
+          </a:p>
+        </p:txBody>
+      </p:sp>
+      <p:pic>
+        <p:nvPicPr>
+          <p:cNvPr descr="./image/7.PNG" id="0" name="Picture 1"/>
+          <p:cNvPicPr>
+            <a:picLocks noGrp="1" noChangeAspect="1"/>
+          </p:cNvPicPr>
+          <p:nvPr/>
+        </p:nvPicPr>
+        <p:blipFill>
+          <a:blip r:embed="rId2"/>
+          <a:stretch>
+            <a:fillRect/>
+          </a:stretch>
+        </p:blipFill>
+        <p:spPr bwMode="auto">
+          <a:xfrm>
+            <a:off x="4648200" y="2501900"/>
+            <a:ext cx="4038600" cy="2705100"/>
+          </a:xfrm>
+          <a:prstGeom prst="rect">
+            <a:avLst/>
+          </a:prstGeom>
+          <a:noFill/>
+          <a:ln w="9525">
+            <a:noFill/>
+            <a:headEnd/>
+            <a:tailEnd/>
+          </a:ln>
+        </p:spPr>
+      </p:pic>
     </p:spTree>
   </p:cSld>
 </p:sld>
@@ -3616,47 +3620,7 @@
             </a:pPr>
             <a:r>
               <a:rPr/>
-              <a:t>Отображение</a:t>
-            </a:r>
-            <a:r>
-              <a:rPr/>
-              <a:t> </a:t>
-            </a:r>
-            <a:r>
-              <a:rPr/>
-              <a:t>серверных</a:t>
-            </a:r>
-            <a:r>
-              <a:rPr/>
-              <a:t> </a:t>
-            </a:r>
-            <a:r>
-              <a:rPr/>
-              <a:t>стоек</a:t>
-            </a:r>
-            <a:r>
-              <a:rPr/>
-              <a:t> </a:t>
-            </a:r>
-            <a:r>
-              <a:rPr/>
-              <a:t>в</a:t>
-            </a:r>
-            <a:r>
-              <a:rPr/>
-              <a:t> </a:t>
-            </a:r>
-            <a:r>
-              <a:rPr/>
-              <a:t>Packet</a:t>
-            </a:r>
-            <a:r>
-              <a:rPr/>
-              <a:t> </a:t>
-            </a:r>
-            <a:r>
-              <a:rPr/>
-              <a:t>Tracer</a:t>
+              <a:t>8</a:t>
             </a:r>
           </a:p>
         </p:txBody>
@@ -3668,7 +3632,7 @@
             <a:spLocks noGrp="1"/>
           </p:cNvSpPr>
           <p:nvPr>
-            <p:ph idx="1"/>
+            <p:ph idx="1" sz="half"/>
           </p:nvPr>
         </p:nvSpPr>
         <p:spPr/>
@@ -3681,11 +3645,41 @@
             </a:pPr>
             <a:r>
               <a:rPr/>
-              <a:t>::: ::: {.column width=“70%”}</a:t>
-            </a:r>
-          </a:p>
-        </p:txBody>
-      </p:sp>
+              <a:t>Отображение соединения двух территорий в физической рабочей области Packet Tracer</a:t>
+            </a:r>
+          </a:p>
+        </p:txBody>
+      </p:sp>
+      <p:pic>
+        <p:nvPicPr>
+          <p:cNvPr descr="./image/8.PNG" id="0" name="Picture 1"/>
+          <p:cNvPicPr>
+            <a:picLocks noGrp="1" noChangeAspect="1"/>
+          </p:cNvPicPr>
+          <p:nvPr/>
+        </p:nvPicPr>
+        <p:blipFill>
+          <a:blip r:embed="rId2"/>
+          <a:stretch>
+            <a:fillRect/>
+          </a:stretch>
+        </p:blipFill>
+        <p:spPr bwMode="auto">
+          <a:xfrm>
+            <a:off x="4648200" y="2565400"/>
+            <a:ext cx="4038600" cy="2578100"/>
+          </a:xfrm>
+          <a:prstGeom prst="rect">
+            <a:avLst/>
+          </a:prstGeom>
+          <a:noFill/>
+          <a:ln w="9525">
+            <a:noFill/>
+            <a:headEnd/>
+            <a:tailEnd/>
+          </a:ln>
+        </p:spPr>
+      </p:pic>
     </p:spTree>
   </p:cSld>
 </p:sld>
@@ -3708,36 +3702,36 @@
           <a:chExt cx="0" cy="0"/>
         </a:xfrm>
       </p:grpSpPr>
-      <p:pic>
-        <p:nvPicPr>
-          <p:cNvPr descr="./image/5.PNG" id="0" name="Picture 1"/>
-          <p:cNvPicPr>
-            <a:picLocks noGrp="1" noChangeAspect="1"/>
-          </p:cNvPicPr>
-          <p:nvPr/>
-        </p:nvPicPr>
-        <p:blipFill>
-          <a:blip r:embed="rId2"/>
-          <a:stretch>
-            <a:fillRect/>
-          </a:stretch>
-        </p:blipFill>
-        <p:spPr bwMode="auto">
+      <p:sp>
+        <p:nvSpPr>
+          <p:cNvPr id="2" name="Title 1"/>
+          <p:cNvSpPr>
+            <a:spLocks noGrp="1"/>
+          </p:cNvSpPr>
+          <p:nvPr>
+            <p:ph type="title"/>
+          </p:nvPr>
+        </p:nvSpPr>
+        <p:spPr>
           <a:xfrm>
-            <a:off x="3403600" y="1600200"/>
-            <a:ext cx="2336800" cy="4521200"/>
+            <a:off x="722313" y="4406900"/>
+            <a:ext cx="7772400" cy="1362075"/>
           </a:xfrm>
-          <a:prstGeom prst="rect">
-            <a:avLst/>
-          </a:prstGeom>
-          <a:noFill/>
-          <a:ln w="9525">
-            <a:noFill/>
-            <a:headEnd/>
-            <a:tailEnd/>
-          </a:ln>
         </p:spPr>
-      </p:pic>
+        <p:txBody>
+          <a:bodyPr/>
+          <a:lstStyle/>
+          <a:p>
+            <a:pPr lvl="0" marL="0" indent="0">
+              <a:buNone/>
+            </a:pPr>
+            <a:r>
+              <a:rPr/>
+              <a:t>Вывод</a:t>
+            </a:r>
+          </a:p>
+        </p:txBody>
+      </p:sp>
     </p:spTree>
   </p:cSld>
 </p:sld>
@@ -3762,6 +3756,31 @@
       </p:grpSpPr>
       <p:sp>
         <p:nvSpPr>
+          <p:cNvPr id="2" name="Title 1"/>
+          <p:cNvSpPr>
+            <a:spLocks noGrp="1"/>
+          </p:cNvSpPr>
+          <p:nvPr>
+            <p:ph type="title"/>
+          </p:nvPr>
+        </p:nvSpPr>
+        <p:spPr/>
+        <p:txBody>
+          <a:bodyPr/>
+          <a:lstStyle/>
+          <a:p>
+            <a:pPr lvl="0" marL="0" indent="0">
+              <a:buNone/>
+            </a:pPr>
+            <a:r>
+              <a:rPr/>
+              <a:t>Вывод</a:t>
+            </a:r>
+          </a:p>
+        </p:txBody>
+      </p:sp>
+      <p:sp>
+        <p:nvSpPr>
           <p:cNvPr id="3" name="Content Placeholder 2"/>
           <p:cNvSpPr>
             <a:spLocks noGrp="1"/>
@@ -3775,471 +3794,10 @@
           <a:bodyPr/>
           <a:lstStyle/>
           <a:p>
-            <a:pPr lvl="0" marL="0" indent="0">
-              <a:buNone/>
-            </a:pPr>
-            <a:r>
-              <a:rPr/>
-              <a:t>::: ::::::::::::::</a:t>
-            </a:r>
-          </a:p>
-        </p:txBody>
-      </p:sp>
-    </p:spTree>
-  </p:cSld>
-</p:sld>
-</file>
-
-<file path=ppt/slides/slide16.xml><?xml version="1.0" encoding="utf-8"?>
-<p:sld xmlns:a="http://schemas.openxmlformats.org/drawingml/2006/main" xmlns:r="http://schemas.openxmlformats.org/officeDocument/2006/relationships" xmlns:p="http://schemas.openxmlformats.org/presentationml/2006/main">
-  <p:cSld>
-    <p:spTree>
-      <p:nvGrpSpPr>
-        <p:cNvPr id="1" name=""/>
-        <p:cNvGrpSpPr/>
-        <p:nvPr/>
-      </p:nvGrpSpPr>
-      <p:grpSpPr>
-        <a:xfrm>
-          <a:off x="0" y="0"/>
-          <a:ext cx="0" cy="0"/>
-          <a:chOff x="0" y="0"/>
-          <a:chExt cx="0" cy="0"/>
-        </a:xfrm>
-      </p:grpSpPr>
-      <p:sp>
-        <p:nvSpPr>
-          <p:cNvPr id="2" name="Title 1"/>
-          <p:cNvSpPr>
-            <a:spLocks noGrp="1"/>
-          </p:cNvSpPr>
-          <p:nvPr>
-            <p:ph type="title"/>
-          </p:nvPr>
-        </p:nvSpPr>
-        <p:spPr/>
-        <p:txBody>
-          <a:bodyPr/>
-          <a:lstStyle/>
-          <a:p>
-            <a:pPr lvl="0" marL="0" indent="0">
-              <a:buNone/>
-            </a:pPr>
-            <a:r>
-              <a:rPr/>
-              <a:t>Повторитель</a:t>
-            </a:r>
-            <a:r>
-              <a:rPr/>
-              <a:t> </a:t>
-            </a:r>
-            <a:r>
-              <a:rPr/>
-              <a:t>с</a:t>
-            </a:r>
-            <a:r>
-              <a:rPr/>
-              <a:t> </a:t>
-            </a:r>
-            <a:r>
-              <a:rPr/>
-              <a:t>портами</a:t>
-            </a:r>
-            <a:r>
-              <a:rPr/>
-              <a:t> </a:t>
-            </a:r>
-            <a:r>
-              <a:rPr/>
-              <a:t>PT-REPEATER-NM-1FFE</a:t>
-            </a:r>
-            <a:r>
-              <a:rPr/>
-              <a:t> </a:t>
-            </a:r>
-            <a:r>
-              <a:rPr/>
-              <a:t>и</a:t>
-            </a:r>
-            <a:r>
-              <a:rPr/>
-              <a:t> </a:t>
-            </a:r>
-            <a:r>
-              <a:rPr/>
-              <a:t>PT-REPEATER-NM-1CFE</a:t>
-            </a:r>
-            <a:r>
-              <a:rPr/>
-              <a:t> </a:t>
-            </a:r>
-            <a:r>
-              <a:rPr/>
-              <a:t>для</a:t>
-            </a:r>
-            <a:r>
-              <a:rPr/>
-              <a:t> </a:t>
-            </a:r>
-            <a:r>
-              <a:rPr/>
-              <a:t>подключения</a:t>
-            </a:r>
-            <a:r>
-              <a:rPr/>
-              <a:t> </a:t>
-            </a:r>
-            <a:r>
-              <a:rPr/>
-              <a:t>оптоволокна</a:t>
-            </a:r>
-            <a:r>
-              <a:rPr/>
-              <a:t> </a:t>
-            </a:r>
-            <a:r>
-              <a:rPr/>
-              <a:t>и</a:t>
-            </a:r>
-            <a:r>
-              <a:rPr/>
-              <a:t> </a:t>
-            </a:r>
-            <a:r>
-              <a:rPr/>
-              <a:t>витой</a:t>
-            </a:r>
-            <a:r>
-              <a:rPr/>
-              <a:t> </a:t>
-            </a:r>
-            <a:r>
-              <a:rPr/>
-              <a:t>пары</a:t>
-            </a:r>
-            <a:r>
-              <a:rPr/>
-              <a:t> </a:t>
-            </a:r>
-            <a:r>
-              <a:rPr/>
-              <a:t>по</a:t>
-            </a:r>
-            <a:r>
-              <a:rPr/>
-              <a:t> </a:t>
-            </a:r>
-            <a:r>
-              <a:rPr/>
-              <a:t>технологии</a:t>
-            </a:r>
-            <a:r>
-              <a:rPr/>
-              <a:t> </a:t>
-            </a:r>
-            <a:r>
-              <a:rPr/>
-              <a:t>Fast</a:t>
-            </a:r>
-            <a:r>
-              <a:rPr/>
-              <a:t> </a:t>
-            </a:r>
-            <a:r>
-              <a:rPr/>
-              <a:t>Ethernet</a:t>
-            </a:r>
-          </a:p>
-        </p:txBody>
-      </p:sp>
-      <p:sp>
-        <p:nvSpPr>
-          <p:cNvPr id="3" name="Content Placeholder 2"/>
-          <p:cNvSpPr>
-            <a:spLocks noGrp="1"/>
-          </p:cNvSpPr>
-          <p:nvPr>
-            <p:ph idx="1"/>
-          </p:nvPr>
-        </p:nvSpPr>
-        <p:spPr/>
-        <p:txBody>
-          <a:bodyPr/>
-          <a:lstStyle/>
-          <a:p>
-            <a:pPr lvl="0" marL="0" indent="0">
-              <a:buNone/>
-            </a:pPr>
-            <a:r>
-              <a:rPr/>
-              <a:t>::: ::: {.column width=“70%”}</a:t>
-            </a:r>
-          </a:p>
-        </p:txBody>
-      </p:sp>
-    </p:spTree>
-  </p:cSld>
-</p:sld>
-</file>
-
-<file path=ppt/slides/slide17.xml><?xml version="1.0" encoding="utf-8"?>
-<p:sld xmlns:a="http://schemas.openxmlformats.org/drawingml/2006/main" xmlns:r="http://schemas.openxmlformats.org/officeDocument/2006/relationships" xmlns:p="http://schemas.openxmlformats.org/presentationml/2006/main">
-  <p:cSld>
-    <p:spTree>
-      <p:nvGrpSpPr>
-        <p:cNvPr id="1" name=""/>
-        <p:cNvGrpSpPr/>
-        <p:nvPr/>
-      </p:nvGrpSpPr>
-      <p:grpSpPr>
-        <a:xfrm>
-          <a:off x="0" y="0"/>
-          <a:ext cx="0" cy="0"/>
-          <a:chOff x="0" y="0"/>
-          <a:chExt cx="0" cy="0"/>
-        </a:xfrm>
-      </p:grpSpPr>
-      <p:pic>
-        <p:nvPicPr>
-          <p:cNvPr descr="./image/6.PNG" id="0" name="Picture 1"/>
-          <p:cNvPicPr>
-            <a:picLocks noGrp="1" noChangeAspect="1"/>
-          </p:cNvPicPr>
-          <p:nvPr/>
-        </p:nvPicPr>
-        <p:blipFill>
-          <a:blip r:embed="rId2"/>
-          <a:stretch>
-            <a:fillRect/>
-          </a:stretch>
-        </p:blipFill>
-        <p:spPr bwMode="auto">
-          <a:xfrm>
-            <a:off x="2349500" y="1600200"/>
-            <a:ext cx="4445000" cy="4521200"/>
-          </a:xfrm>
-          <a:prstGeom prst="rect">
-            <a:avLst/>
-          </a:prstGeom>
-          <a:noFill/>
-          <a:ln w="9525">
-            <a:noFill/>
-            <a:headEnd/>
-            <a:tailEnd/>
-          </a:ln>
-        </p:spPr>
-      </p:pic>
-    </p:spTree>
-  </p:cSld>
-</p:sld>
-</file>
-
-<file path=ppt/slides/slide18.xml><?xml version="1.0" encoding="utf-8"?>
-<p:sld xmlns:a="http://schemas.openxmlformats.org/drawingml/2006/main" xmlns:r="http://schemas.openxmlformats.org/officeDocument/2006/relationships" xmlns:p="http://schemas.openxmlformats.org/presentationml/2006/main">
-  <p:cSld>
-    <p:spTree>
-      <p:nvGrpSpPr>
-        <p:cNvPr id="1" name=""/>
-        <p:cNvGrpSpPr/>
-        <p:nvPr/>
-      </p:nvGrpSpPr>
-      <p:grpSpPr>
-        <a:xfrm>
-          <a:off x="0" y="0"/>
-          <a:ext cx="0" cy="0"/>
-          <a:chOff x="0" y="0"/>
-          <a:chExt cx="0" cy="0"/>
-        </a:xfrm>
-      </p:grpSpPr>
-      <p:sp>
-        <p:nvSpPr>
-          <p:cNvPr id="3" name="Content Placeholder 2"/>
-          <p:cNvSpPr>
-            <a:spLocks noGrp="1"/>
-          </p:cNvSpPr>
-          <p:nvPr>
-            <p:ph idx="1"/>
-          </p:nvPr>
-        </p:nvSpPr>
-        <p:spPr/>
-        <p:txBody>
-          <a:bodyPr/>
-          <a:lstStyle/>
-          <a:p>
-            <a:pPr lvl="0" marL="0" indent="0">
-              <a:buNone/>
-            </a:pPr>
-            <a:r>
-              <a:rPr/>
-              <a:t>::: ::::::::::::::</a:t>
-            </a:r>
-          </a:p>
-        </p:txBody>
-      </p:sp>
-    </p:spTree>
-  </p:cSld>
-</p:sld>
-</file>
-
-<file path=ppt/slides/slide19.xml><?xml version="1.0" encoding="utf-8"?>
-<p:sld xmlns:a="http://schemas.openxmlformats.org/drawingml/2006/main" xmlns:r="http://schemas.openxmlformats.org/officeDocument/2006/relationships" xmlns:p="http://schemas.openxmlformats.org/presentationml/2006/main">
-  <p:cSld>
-    <p:spTree>
-      <p:nvGrpSpPr>
-        <p:cNvPr id="1" name=""/>
-        <p:cNvGrpSpPr/>
-        <p:nvPr/>
-      </p:nvGrpSpPr>
-      <p:grpSpPr>
-        <a:xfrm>
-          <a:off x="0" y="0"/>
-          <a:ext cx="0" cy="0"/>
-          <a:chOff x="0" y="0"/>
-          <a:chExt cx="0" cy="0"/>
-        </a:xfrm>
-      </p:grpSpPr>
-      <p:sp>
-        <p:nvSpPr>
-          <p:cNvPr id="2" name="Title 1"/>
-          <p:cNvSpPr>
-            <a:spLocks noGrp="1"/>
-          </p:cNvSpPr>
-          <p:nvPr>
-            <p:ph type="title"/>
-          </p:nvPr>
-        </p:nvSpPr>
-        <p:spPr/>
-        <p:txBody>
-          <a:bodyPr/>
-          <a:lstStyle/>
-          <a:p>
-            <a:pPr lvl="0" marL="0" indent="0">
-              <a:buNone/>
-            </a:pPr>
-            <a:r>
-              <a:rPr/>
-              <a:t>Схема</a:t>
-            </a:r>
-            <a:r>
-              <a:rPr/>
-              <a:t> </a:t>
-            </a:r>
-            <a:r>
-              <a:rPr/>
-              <a:t>сети</a:t>
-            </a:r>
-            <a:r>
-              <a:rPr/>
-              <a:t> </a:t>
-            </a:r>
-            <a:r>
-              <a:rPr/>
-              <a:t>с</a:t>
-            </a:r>
-            <a:r>
-              <a:rPr/>
-              <a:t> </a:t>
-            </a:r>
-            <a:r>
-              <a:rPr/>
-              <a:t>учётом</a:t>
-            </a:r>
-            <a:r>
-              <a:rPr/>
-              <a:t> </a:t>
-            </a:r>
-            <a:r>
-              <a:rPr/>
-              <a:t>физических</a:t>
-            </a:r>
-            <a:r>
-              <a:rPr/>
-              <a:t> </a:t>
-            </a:r>
-            <a:r>
-              <a:rPr/>
-              <a:t>параметров</a:t>
-            </a:r>
-            <a:r>
-              <a:rPr/>
-              <a:t> </a:t>
-            </a:r>
-            <a:r>
-              <a:rPr/>
-              <a:t>сети</a:t>
-            </a:r>
-            <a:r>
-              <a:rPr/>
-              <a:t> </a:t>
-            </a:r>
-            <a:r>
-              <a:rPr/>
-              <a:t>в</a:t>
-            </a:r>
-            <a:r>
-              <a:rPr/>
-              <a:t> </a:t>
-            </a:r>
-            <a:r>
-              <a:rPr/>
-              <a:t>логической</a:t>
-            </a:r>
-            <a:r>
-              <a:rPr/>
-              <a:t> </a:t>
-            </a:r>
-            <a:r>
-              <a:rPr/>
-              <a:t>рабочей</a:t>
-            </a:r>
-            <a:r>
-              <a:rPr/>
-              <a:t> </a:t>
-            </a:r>
-            <a:r>
-              <a:rPr/>
-              <a:t>области</a:t>
-            </a:r>
-            <a:r>
-              <a:rPr/>
-              <a:t> </a:t>
-            </a:r>
-            <a:r>
-              <a:rPr/>
-              <a:t>Packet</a:t>
-            </a:r>
-            <a:r>
-              <a:rPr/>
-              <a:t> </a:t>
-            </a:r>
-            <a:r>
-              <a:rPr/>
-              <a:t>Tracer</a:t>
-            </a:r>
-          </a:p>
-        </p:txBody>
-      </p:sp>
-      <p:sp>
-        <p:nvSpPr>
-          <p:cNvPr id="3" name="Content Placeholder 2"/>
-          <p:cNvSpPr>
-            <a:spLocks noGrp="1"/>
-          </p:cNvSpPr>
-          <p:nvPr>
-            <p:ph idx="1"/>
-          </p:nvPr>
-        </p:nvSpPr>
-        <p:spPr/>
-        <p:txBody>
-          <a:bodyPr/>
-          <a:lstStyle/>
-          <a:p>
-            <a:pPr lvl="0" marL="0" indent="0">
-              <a:buNone/>
-            </a:pPr>
-            <a:r>
-              <a:rPr/>
-              <a:t>::: ::: {.column width=“70%”}</a:t>
+            <a:pPr lvl="1"/>
+            <a:r>
+              <a:rPr/>
+              <a:t>Получены навыки работы с физической рабочей областью Packet Tracer, а также учтены физические параметры сети.</a:t>
             </a:r>
           </a:p>
         </p:txBody>
@@ -4276,12 +3834,7 @@
             <p:ph type="title"/>
           </p:nvPr>
         </p:nvSpPr>
-        <p:spPr>
-          <a:xfrm>
-            <a:off x="722313" y="4406900"/>
-            <a:ext cx="7772400" cy="1362075"/>
-          </a:xfrm>
-        </p:spPr>
+        <p:spPr/>
         <p:txBody>
           <a:bodyPr/>
           <a:lstStyle/>
@@ -4291,85 +3844,11 @@
             </a:pPr>
             <a:r>
               <a:rPr/>
-              <a:t>Информация</a:t>
-            </a:r>
-          </a:p>
-        </p:txBody>
-      </p:sp>
-    </p:spTree>
-  </p:cSld>
-</p:sld>
-</file>
-
-<file path=ppt/slides/slide20.xml><?xml version="1.0" encoding="utf-8"?>
-<p:sld xmlns:a="http://schemas.openxmlformats.org/drawingml/2006/main" xmlns:r="http://schemas.openxmlformats.org/officeDocument/2006/relationships" xmlns:p="http://schemas.openxmlformats.org/presentationml/2006/main">
-  <p:cSld>
-    <p:spTree>
-      <p:nvGrpSpPr>
-        <p:cNvPr id="1" name=""/>
-        <p:cNvGrpSpPr/>
-        <p:nvPr/>
-      </p:nvGrpSpPr>
-      <p:grpSpPr>
-        <a:xfrm>
-          <a:off x="0" y="0"/>
-          <a:ext cx="0" cy="0"/>
-          <a:chOff x="0" y="0"/>
-          <a:chExt cx="0" cy="0"/>
-        </a:xfrm>
-      </p:grpSpPr>
-      <p:pic>
-        <p:nvPicPr>
-          <p:cNvPr descr="./image/7.PNG" id="0" name="Picture 1"/>
-          <p:cNvPicPr>
-            <a:picLocks noGrp="1" noChangeAspect="1"/>
-          </p:cNvPicPr>
-          <p:nvPr/>
-        </p:nvPicPr>
-        <p:blipFill>
-          <a:blip r:embed="rId2"/>
-          <a:stretch>
-            <a:fillRect/>
-          </a:stretch>
-        </p:blipFill>
-        <p:spPr bwMode="auto">
-          <a:xfrm>
-            <a:off x="1206500" y="1600200"/>
-            <a:ext cx="6743700" cy="4521200"/>
-          </a:xfrm>
-          <a:prstGeom prst="rect">
-            <a:avLst/>
-          </a:prstGeom>
-          <a:noFill/>
-          <a:ln w="9525">
-            <a:noFill/>
-            <a:headEnd/>
-            <a:tailEnd/>
-          </a:ln>
-        </p:spPr>
-      </p:pic>
-    </p:spTree>
-  </p:cSld>
-</p:sld>
-</file>
-
-<file path=ppt/slides/slide21.xml><?xml version="1.0" encoding="utf-8"?>
-<p:sld xmlns:a="http://schemas.openxmlformats.org/drawingml/2006/main" xmlns:r="http://schemas.openxmlformats.org/officeDocument/2006/relationships" xmlns:p="http://schemas.openxmlformats.org/presentationml/2006/main">
-  <p:cSld>
-    <p:spTree>
-      <p:nvGrpSpPr>
-        <p:cNvPr id="1" name=""/>
-        <p:cNvGrpSpPr/>
-        <p:nvPr/>
-      </p:nvGrpSpPr>
-      <p:grpSpPr>
-        <a:xfrm>
-          <a:off x="0" y="0"/>
-          <a:ext cx="0" cy="0"/>
-          <a:chOff x="0" y="0"/>
-          <a:chExt cx="0" cy="0"/>
-        </a:xfrm>
-      </p:grpSpPr>
+              <a:t>Докладчик</a:t>
+            </a:r>
+          </a:p>
+        </p:txBody>
+      </p:sp>
       <p:sp>
         <p:nvSpPr>
           <p:cNvPr id="3" name="Content Placeholder 2"/>
@@ -4385,377 +3864,35 @@
           <a:bodyPr/>
           <a:lstStyle/>
           <a:p>
-            <a:pPr lvl="0" marL="0" indent="0">
-              <a:buNone/>
-            </a:pPr>
-            <a:r>
-              <a:rPr/>
-              <a:t>::: ::::::::::::::</a:t>
-            </a:r>
-          </a:p>
-        </p:txBody>
-      </p:sp>
-    </p:spTree>
-  </p:cSld>
-</p:sld>
-</file>
-
-<file path=ppt/slides/slide22.xml><?xml version="1.0" encoding="utf-8"?>
-<p:sld xmlns:a="http://schemas.openxmlformats.org/drawingml/2006/main" xmlns:r="http://schemas.openxmlformats.org/officeDocument/2006/relationships" xmlns:p="http://schemas.openxmlformats.org/presentationml/2006/main">
-  <p:cSld>
-    <p:spTree>
-      <p:nvGrpSpPr>
-        <p:cNvPr id="1" name=""/>
-        <p:cNvGrpSpPr/>
-        <p:nvPr/>
-      </p:nvGrpSpPr>
-      <p:grpSpPr>
-        <a:xfrm>
-          <a:off x="0" y="0"/>
-          <a:ext cx="0" cy="0"/>
-          <a:chOff x="0" y="0"/>
-          <a:chExt cx="0" cy="0"/>
-        </a:xfrm>
-      </p:grpSpPr>
-      <p:sp>
-        <p:nvSpPr>
-          <p:cNvPr id="2" name="Title 1"/>
-          <p:cNvSpPr>
-            <a:spLocks noGrp="1"/>
-          </p:cNvSpPr>
-          <p:nvPr>
-            <p:ph type="title"/>
-          </p:nvPr>
-        </p:nvSpPr>
-        <p:spPr/>
-        <p:txBody>
-          <a:bodyPr/>
-          <a:lstStyle/>
-          <a:p>
-            <a:pPr lvl="0" marL="0" indent="0">
-              <a:buNone/>
-            </a:pPr>
-            <a:r>
-              <a:rPr/>
-              <a:t>Отображение</a:t>
-            </a:r>
-            <a:r>
-              <a:rPr/>
-              <a:t> </a:t>
-            </a:r>
-            <a:r>
-              <a:rPr/>
-              <a:t>соединения</a:t>
-            </a:r>
-            <a:r>
-              <a:rPr/>
-              <a:t> </a:t>
-            </a:r>
-            <a:r>
-              <a:rPr/>
-              <a:t>двух</a:t>
-            </a:r>
-            <a:r>
-              <a:rPr/>
-              <a:t> </a:t>
-            </a:r>
-            <a:r>
-              <a:rPr/>
-              <a:t>территорий</a:t>
-            </a:r>
-            <a:r>
-              <a:rPr/>
-              <a:t> </a:t>
-            </a:r>
-            <a:r>
-              <a:rPr/>
-              <a:t>в</a:t>
-            </a:r>
-            <a:r>
-              <a:rPr/>
-              <a:t> </a:t>
-            </a:r>
-            <a:r>
-              <a:rPr/>
-              <a:t>физической</a:t>
-            </a:r>
-            <a:r>
-              <a:rPr/>
-              <a:t> </a:t>
-            </a:r>
-            <a:r>
-              <a:rPr/>
-              <a:t>рабочей</a:t>
-            </a:r>
-            <a:r>
-              <a:rPr/>
-              <a:t> </a:t>
-            </a:r>
-            <a:r>
-              <a:rPr/>
-              <a:t>области</a:t>
-            </a:r>
-            <a:r>
-              <a:rPr/>
-              <a:t> </a:t>
-            </a:r>
-            <a:r>
-              <a:rPr/>
-              <a:t>Packet</a:t>
-            </a:r>
-            <a:r>
-              <a:rPr/>
-              <a:t> </a:t>
-            </a:r>
-            <a:r>
-              <a:rPr/>
-              <a:t>Tracer</a:t>
-            </a:r>
-          </a:p>
-        </p:txBody>
-      </p:sp>
-      <p:sp>
-        <p:nvSpPr>
-          <p:cNvPr id="3" name="Content Placeholder 2"/>
-          <p:cNvSpPr>
-            <a:spLocks noGrp="1"/>
-          </p:cNvSpPr>
-          <p:nvPr>
-            <p:ph idx="1"/>
-          </p:nvPr>
-        </p:nvSpPr>
-        <p:spPr/>
-        <p:txBody>
-          <a:bodyPr/>
-          <a:lstStyle/>
-          <a:p>
-            <a:pPr lvl="0" marL="0" indent="0">
-              <a:buNone/>
-            </a:pPr>
-            <a:r>
-              <a:rPr/>
-              <a:t>::: ::: {.column width=“70%”}</a:t>
-            </a:r>
-          </a:p>
-        </p:txBody>
-      </p:sp>
-    </p:spTree>
-  </p:cSld>
-</p:sld>
-</file>
-
-<file path=ppt/slides/slide23.xml><?xml version="1.0" encoding="utf-8"?>
-<p:sld xmlns:a="http://schemas.openxmlformats.org/drawingml/2006/main" xmlns:r="http://schemas.openxmlformats.org/officeDocument/2006/relationships" xmlns:p="http://schemas.openxmlformats.org/presentationml/2006/main">
-  <p:cSld>
-    <p:spTree>
-      <p:nvGrpSpPr>
-        <p:cNvPr id="1" name=""/>
-        <p:cNvGrpSpPr/>
-        <p:nvPr/>
-      </p:nvGrpSpPr>
-      <p:grpSpPr>
-        <a:xfrm>
-          <a:off x="0" y="0"/>
-          <a:ext cx="0" cy="0"/>
-          <a:chOff x="0" y="0"/>
-          <a:chExt cx="0" cy="0"/>
-        </a:xfrm>
-      </p:grpSpPr>
-      <p:pic>
-        <p:nvPicPr>
-          <p:cNvPr descr="./image/8.PNG" id="0" name="Picture 1"/>
-          <p:cNvPicPr>
-            <a:picLocks noGrp="1" noChangeAspect="1"/>
-          </p:cNvPicPr>
-          <p:nvPr/>
-        </p:nvPicPr>
-        <p:blipFill>
-          <a:blip r:embed="rId2"/>
-          <a:stretch>
-            <a:fillRect/>
-          </a:stretch>
-        </p:blipFill>
-        <p:spPr bwMode="auto">
-          <a:xfrm>
-            <a:off x="1041400" y="1600200"/>
-            <a:ext cx="7073900" cy="4521200"/>
-          </a:xfrm>
-          <a:prstGeom prst="rect">
-            <a:avLst/>
-          </a:prstGeom>
-          <a:noFill/>
-          <a:ln w="9525">
-            <a:noFill/>
-            <a:headEnd/>
-            <a:tailEnd/>
-          </a:ln>
-        </p:spPr>
-      </p:pic>
-    </p:spTree>
-  </p:cSld>
-</p:sld>
-</file>
-
-<file path=ppt/slides/slide24.xml><?xml version="1.0" encoding="utf-8"?>
-<p:sld xmlns:a="http://schemas.openxmlformats.org/drawingml/2006/main" xmlns:r="http://schemas.openxmlformats.org/officeDocument/2006/relationships" xmlns:p="http://schemas.openxmlformats.org/presentationml/2006/main">
-  <p:cSld>
-    <p:spTree>
-      <p:nvGrpSpPr>
-        <p:cNvPr id="1" name=""/>
-        <p:cNvGrpSpPr/>
-        <p:nvPr/>
-      </p:nvGrpSpPr>
-      <p:grpSpPr>
-        <a:xfrm>
-          <a:off x="0" y="0"/>
-          <a:ext cx="0" cy="0"/>
-          <a:chOff x="0" y="0"/>
-          <a:chExt cx="0" cy="0"/>
-        </a:xfrm>
-      </p:grpSpPr>
-      <p:sp>
-        <p:nvSpPr>
-          <p:cNvPr id="3" name="Content Placeholder 2"/>
-          <p:cNvSpPr>
-            <a:spLocks noGrp="1"/>
-          </p:cNvSpPr>
-          <p:nvPr>
-            <p:ph idx="1"/>
-          </p:nvPr>
-        </p:nvSpPr>
-        <p:spPr/>
-        <p:txBody>
-          <a:bodyPr/>
-          <a:lstStyle/>
-          <a:p>
-            <a:pPr lvl="0" marL="0" indent="0">
-              <a:buNone/>
-            </a:pPr>
-            <a:r>
-              <a:rPr/>
-              <a:t>::: ::::::::::::::</a:t>
-            </a:r>
-          </a:p>
-        </p:txBody>
-      </p:sp>
-    </p:spTree>
-  </p:cSld>
-</p:sld>
-</file>
-
-<file path=ppt/slides/slide25.xml><?xml version="1.0" encoding="utf-8"?>
-<p:sld xmlns:a="http://schemas.openxmlformats.org/drawingml/2006/main" xmlns:r="http://schemas.openxmlformats.org/officeDocument/2006/relationships" xmlns:p="http://schemas.openxmlformats.org/presentationml/2006/main">
-  <p:cSld>
-    <p:spTree>
-      <p:nvGrpSpPr>
-        <p:cNvPr id="1" name=""/>
-        <p:cNvGrpSpPr/>
-        <p:nvPr/>
-      </p:nvGrpSpPr>
-      <p:grpSpPr>
-        <a:xfrm>
-          <a:off x="0" y="0"/>
-          <a:ext cx="0" cy="0"/>
-          <a:chOff x="0" y="0"/>
-          <a:chExt cx="0" cy="0"/>
-        </a:xfrm>
-      </p:grpSpPr>
-      <p:sp>
-        <p:nvSpPr>
-          <p:cNvPr id="2" name="Title 1"/>
-          <p:cNvSpPr>
-            <a:spLocks noGrp="1"/>
-          </p:cNvSpPr>
-          <p:nvPr>
-            <p:ph type="title"/>
-          </p:nvPr>
-        </p:nvSpPr>
-        <p:spPr>
-          <a:xfrm>
-            <a:off x="722313" y="4406900"/>
-            <a:ext cx="7772400" cy="1362075"/>
-          </a:xfrm>
-        </p:spPr>
-        <p:txBody>
-          <a:bodyPr/>
-          <a:lstStyle/>
-          <a:p>
-            <a:pPr lvl="0" marL="0" indent="0">
-              <a:buNone/>
-            </a:pPr>
-            <a:r>
-              <a:rPr/>
-              <a:t>Вывод</a:t>
-            </a:r>
-          </a:p>
-        </p:txBody>
-      </p:sp>
-    </p:spTree>
-  </p:cSld>
-</p:sld>
-</file>
-
-<file path=ppt/slides/slide26.xml><?xml version="1.0" encoding="utf-8"?>
-<p:sld xmlns:a="http://schemas.openxmlformats.org/drawingml/2006/main" xmlns:r="http://schemas.openxmlformats.org/officeDocument/2006/relationships" xmlns:p="http://schemas.openxmlformats.org/presentationml/2006/main">
-  <p:cSld>
-    <p:spTree>
-      <p:nvGrpSpPr>
-        <p:cNvPr id="1" name=""/>
-        <p:cNvGrpSpPr/>
-        <p:nvPr/>
-      </p:nvGrpSpPr>
-      <p:grpSpPr>
-        <a:xfrm>
-          <a:off x="0" y="0"/>
-          <a:ext cx="0" cy="0"/>
-          <a:chOff x="0" y="0"/>
-          <a:chExt cx="0" cy="0"/>
-        </a:xfrm>
-      </p:grpSpPr>
-      <p:sp>
-        <p:nvSpPr>
-          <p:cNvPr id="2" name="Title 1"/>
-          <p:cNvSpPr>
-            <a:spLocks noGrp="1"/>
-          </p:cNvSpPr>
-          <p:nvPr>
-            <p:ph type="title"/>
-          </p:nvPr>
-        </p:nvSpPr>
-        <p:spPr/>
-        <p:txBody>
-          <a:bodyPr/>
-          <a:lstStyle/>
-          <a:p>
-            <a:pPr lvl="0" marL="0" indent="0">
-              <a:buNone/>
-            </a:pPr>
-            <a:r>
-              <a:rPr/>
-              <a:t>Вывод</a:t>
-            </a:r>
-          </a:p>
-        </p:txBody>
-      </p:sp>
-      <p:sp>
-        <p:nvSpPr>
-          <p:cNvPr id="3" name="Content Placeholder 2"/>
-          <p:cNvSpPr>
-            <a:spLocks noGrp="1"/>
-          </p:cNvSpPr>
-          <p:nvPr>
-            <p:ph idx="1"/>
-          </p:nvPr>
-        </p:nvSpPr>
-        <p:spPr/>
-        <p:txBody>
-          <a:bodyPr/>
-          <a:lstStyle/>
-          <a:p>
             <a:pPr lvl="1"/>
             <a:r>
               <a:rPr/>
-              <a:t>Получены навыки работы с физической рабочей областью Packet Tracer, а также учтены физические параметры сети.</a:t>
+              <a:t>Скандарова Полина Юрьевна</a:t>
+            </a:r>
+          </a:p>
+          <a:p>
+            <a:pPr lvl="1"/>
+            <a:r>
+              <a:rPr/>
+              <a:t>Российский университет дружбы народов</a:t>
+            </a:r>
+          </a:p>
+          <a:p>
+            <a:pPr lvl="1"/>
+            <a:r>
+              <a:rPr>
+                <a:hlinkClick r:id="rId2"/>
+              </a:rPr>
+              <a:t>1132221815@pfur.ru</a:t>
+            </a:r>
+          </a:p>
+          <a:p>
+            <a:pPr lvl="1"/>
+            <a:r>
+              <a:rPr>
+                <a:hlinkClick r:id="rId3"/>
+              </a:rPr>
+              <a:t>https://pyskandarova.github.io/ru/</a:t>
             </a:r>
           </a:p>
         </p:txBody>
@@ -4792,7 +3929,12 @@
             <p:ph type="title"/>
           </p:nvPr>
         </p:nvSpPr>
-        <p:spPr/>
+        <p:spPr>
+          <a:xfrm>
+            <a:off x="722313" y="4406900"/>
+            <a:ext cx="7772400" cy="1362075"/>
+          </a:xfrm>
+        </p:spPr>
         <p:txBody>
           <a:bodyPr/>
           <a:lstStyle/>
@@ -4802,7 +3944,70 @@
             </a:pPr>
             <a:r>
               <a:rPr/>
-              <a:t>Докладчик</a:t>
+              <a:t>Вводная</a:t>
+            </a:r>
+            <a:r>
+              <a:rPr/>
+              <a:t> </a:t>
+            </a:r>
+            <a:r>
+              <a:rPr/>
+              <a:t>часть</a:t>
+            </a:r>
+          </a:p>
+        </p:txBody>
+      </p:sp>
+    </p:spTree>
+  </p:cSld>
+</p:sld>
+</file>
+
+<file path=ppt/slides/slide4.xml><?xml version="1.0" encoding="utf-8"?>
+<p:sld xmlns:a="http://schemas.openxmlformats.org/drawingml/2006/main" xmlns:r="http://schemas.openxmlformats.org/officeDocument/2006/relationships" xmlns:p="http://schemas.openxmlformats.org/presentationml/2006/main">
+  <p:cSld>
+    <p:spTree>
+      <p:nvGrpSpPr>
+        <p:cNvPr id="1" name=""/>
+        <p:cNvGrpSpPr/>
+        <p:nvPr/>
+      </p:nvGrpSpPr>
+      <p:grpSpPr>
+        <a:xfrm>
+          <a:off x="0" y="0"/>
+          <a:ext cx="0" cy="0"/>
+          <a:chOff x="0" y="0"/>
+          <a:chExt cx="0" cy="0"/>
+        </a:xfrm>
+      </p:grpSpPr>
+      <p:sp>
+        <p:nvSpPr>
+          <p:cNvPr id="2" name="Title 1"/>
+          <p:cNvSpPr>
+            <a:spLocks noGrp="1"/>
+          </p:cNvSpPr>
+          <p:nvPr>
+            <p:ph type="title"/>
+          </p:nvPr>
+        </p:nvSpPr>
+        <p:spPr/>
+        <p:txBody>
+          <a:bodyPr/>
+          <a:lstStyle/>
+          <a:p>
+            <a:pPr lvl="0" marL="0" indent="0">
+              <a:buNone/>
+            </a:pPr>
+            <a:r>
+              <a:rPr/>
+              <a:t>Цель</a:t>
+            </a:r>
+            <a:r>
+              <a:rPr/>
+              <a:t> </a:t>
+            </a:r>
+            <a:r>
+              <a:rPr/>
+              <a:t>работы</a:t>
             </a:r>
           </a:p>
         </p:txBody>
@@ -4814,6 +4019,144 @@
             <a:spLocks noGrp="1"/>
           </p:cNvSpPr>
           <p:nvPr>
+            <p:ph idx="1"/>
+          </p:nvPr>
+        </p:nvSpPr>
+        <p:spPr/>
+        <p:txBody>
+          <a:bodyPr/>
+          <a:lstStyle/>
+          <a:p>
+            <a:pPr lvl="1"/>
+            <a:r>
+              <a:rPr/>
+              <a:t>Получить навыки работы с физической рабочей областью Packet Tracer, а также учесть физические параметры сети.</a:t>
+            </a:r>
+          </a:p>
+        </p:txBody>
+      </p:sp>
+    </p:spTree>
+  </p:cSld>
+</p:sld>
+</file>
+
+<file path=ppt/slides/slide5.xml><?xml version="1.0" encoding="utf-8"?>
+<p:sld xmlns:a="http://schemas.openxmlformats.org/drawingml/2006/main" xmlns:r="http://schemas.openxmlformats.org/officeDocument/2006/relationships" xmlns:p="http://schemas.openxmlformats.org/presentationml/2006/main">
+  <p:cSld>
+    <p:spTree>
+      <p:nvGrpSpPr>
+        <p:cNvPr id="1" name=""/>
+        <p:cNvGrpSpPr/>
+        <p:nvPr/>
+      </p:nvGrpSpPr>
+      <p:grpSpPr>
+        <a:xfrm>
+          <a:off x="0" y="0"/>
+          <a:ext cx="0" cy="0"/>
+          <a:chOff x="0" y="0"/>
+          <a:chExt cx="0" cy="0"/>
+        </a:xfrm>
+      </p:grpSpPr>
+      <p:sp>
+        <p:nvSpPr>
+          <p:cNvPr id="2" name="Title 1"/>
+          <p:cNvSpPr>
+            <a:spLocks noGrp="1"/>
+          </p:cNvSpPr>
+          <p:nvPr>
+            <p:ph type="title"/>
+          </p:nvPr>
+        </p:nvSpPr>
+        <p:spPr>
+          <a:xfrm>
+            <a:off x="722313" y="4406900"/>
+            <a:ext cx="7772400" cy="1362075"/>
+          </a:xfrm>
+        </p:spPr>
+        <p:txBody>
+          <a:bodyPr/>
+          <a:lstStyle/>
+          <a:p>
+            <a:pPr lvl="0" marL="0" indent="0">
+              <a:buNone/>
+            </a:pPr>
+            <a:r>
+              <a:rPr/>
+              <a:t>Последовательность</a:t>
+            </a:r>
+            <a:r>
+              <a:rPr/>
+              <a:t> </a:t>
+            </a:r>
+            <a:r>
+              <a:rPr/>
+              <a:t>выполнения</a:t>
+            </a:r>
+            <a:r>
+              <a:rPr/>
+              <a:t> </a:t>
+            </a:r>
+            <a:r>
+              <a:rPr/>
+              <a:t>работы</a:t>
+            </a:r>
+          </a:p>
+        </p:txBody>
+      </p:sp>
+    </p:spTree>
+  </p:cSld>
+</p:sld>
+</file>
+
+<file path=ppt/slides/slide6.xml><?xml version="1.0" encoding="utf-8"?>
+<p:sld xmlns:a="http://schemas.openxmlformats.org/drawingml/2006/main" xmlns:r="http://schemas.openxmlformats.org/officeDocument/2006/relationships" xmlns:p="http://schemas.openxmlformats.org/presentationml/2006/main">
+  <p:cSld>
+    <p:spTree>
+      <p:nvGrpSpPr>
+        <p:cNvPr id="1" name=""/>
+        <p:cNvGrpSpPr/>
+        <p:nvPr/>
+      </p:nvGrpSpPr>
+      <p:grpSpPr>
+        <a:xfrm>
+          <a:off x="0" y="0"/>
+          <a:ext cx="0" cy="0"/>
+          <a:chOff x="0" y="0"/>
+          <a:chExt cx="0" cy="0"/>
+        </a:xfrm>
+      </p:grpSpPr>
+      <p:sp>
+        <p:nvSpPr>
+          <p:cNvPr id="2" name="Title 1"/>
+          <p:cNvSpPr>
+            <a:spLocks noGrp="1"/>
+          </p:cNvSpPr>
+          <p:nvPr>
+            <p:ph type="title"/>
+          </p:nvPr>
+        </p:nvSpPr>
+        <p:spPr/>
+        <p:txBody>
+          <a:bodyPr/>
+          <a:lstStyle/>
+          <a:p>
+            <a:pPr lvl="0" marL="0" indent="0">
+              <a:buNone/>
+            </a:pPr>
+            <a:r>
+              <a:rPr/>
+              <a:t>1</a:t>
+            </a:r>
+          </a:p>
+        </p:txBody>
+      </p:sp>
+      <p:sp>
+        <p:nvSpPr>
+          <p:cNvPr id="3" name="Content Placeholder 2"/>
+          <p:cNvSpPr>
+            <a:spLocks noGrp="1"/>
+          </p:cNvSpPr>
+          <p:nvPr>
             <p:ph idx="1" sz="half"/>
           </p:nvPr>
         </p:nvSpPr>
@@ -4822,35 +4165,12 @@
           <a:bodyPr/>
           <a:lstStyle/>
           <a:p>
-            <a:pPr lvl="1"/>
-            <a:r>
-              <a:rPr/>
-              <a:t>Скандарова Полина Юрьевна</a:t>
-            </a:r>
-          </a:p>
-          <a:p>
-            <a:pPr lvl="1"/>
-            <a:r>
-              <a:rPr/>
-              <a:t>Российский университет дружбы народов</a:t>
-            </a:r>
-          </a:p>
-          <a:p>
-            <a:pPr lvl="1"/>
-            <a:r>
-              <a:rPr>
-                <a:hlinkClick r:id="rId2"/>
-              </a:rPr>
-              <a:t>1132221815@pfur.ru</a:t>
-            </a:r>
-          </a:p>
-          <a:p>
-            <a:pPr lvl="1"/>
-            <a:r>
-              <a:rPr>
-                <a:hlinkClick r:id="rId3"/>
-              </a:rPr>
-              <a:t>https://pyskandarova.github.io/ru/</a:t>
+            <a:pPr lvl="0" marL="0" indent="0">
+              <a:buNone/>
+            </a:pPr>
+            <a:r>
+              <a:rPr/>
+              <a:t>Cхема сети без учёта физических параметров сети в логической рабочей области Packet Tracer</a:t>
             </a:r>
           </a:p>
         </p:txBody>
@@ -4864,7 +4184,7 @@
           <p:nvPr/>
         </p:nvPicPr>
         <p:blipFill>
-          <a:blip r:embed="rId4"/>
+          <a:blip r:embed="rId2"/>
           <a:stretch>
             <a:fillRect/>
           </a:stretch>
@@ -4890,209 +4210,6 @@
 </p:sld>
 </file>
 
-<file path=ppt/slides/slide4.xml><?xml version="1.0" encoding="utf-8"?>
-<p:sld xmlns:a="http://schemas.openxmlformats.org/drawingml/2006/main" xmlns:r="http://schemas.openxmlformats.org/officeDocument/2006/relationships" xmlns:p="http://schemas.openxmlformats.org/presentationml/2006/main">
-  <p:cSld>
-    <p:spTree>
-      <p:nvGrpSpPr>
-        <p:cNvPr id="1" name=""/>
-        <p:cNvGrpSpPr/>
-        <p:nvPr/>
-      </p:nvGrpSpPr>
-      <p:grpSpPr>
-        <a:xfrm>
-          <a:off x="0" y="0"/>
-          <a:ext cx="0" cy="0"/>
-          <a:chOff x="0" y="0"/>
-          <a:chExt cx="0" cy="0"/>
-        </a:xfrm>
-      </p:grpSpPr>
-      <p:sp>
-        <p:nvSpPr>
-          <p:cNvPr id="2" name="Title 1"/>
-          <p:cNvSpPr>
-            <a:spLocks noGrp="1"/>
-          </p:cNvSpPr>
-          <p:nvPr>
-            <p:ph type="title"/>
-          </p:nvPr>
-        </p:nvSpPr>
-        <p:spPr/>
-        <p:txBody>
-          <a:bodyPr/>
-          <a:lstStyle/>
-          <a:p>
-            <a:pPr lvl="0" marL="0" indent="0">
-              <a:buNone/>
-            </a:pPr>
-            <a:r>
-              <a:rPr/>
-              <a:t>Физическая</a:t>
-            </a:r>
-            <a:r>
-              <a:rPr/>
-              <a:t> </a:t>
-            </a:r>
-            <a:r>
-              <a:rPr/>
-              <a:t>рабочая</a:t>
-            </a:r>
-            <a:r>
-              <a:rPr/>
-              <a:t> </a:t>
-            </a:r>
-            <a:r>
-              <a:rPr/>
-              <a:t>область</a:t>
-            </a:r>
-            <a:r>
-              <a:rPr/>
-              <a:t> </a:t>
-            </a:r>
-            <a:r>
-              <a:rPr/>
-              <a:t>Packet</a:t>
-            </a:r>
-            <a:r>
-              <a:rPr/>
-              <a:t> </a:t>
-            </a:r>
-            <a:r>
-              <a:rPr/>
-              <a:t>Tracer</a:t>
-            </a:r>
-          </a:p>
-        </p:txBody>
-      </p:sp>
-      <p:sp>
-        <p:nvSpPr>
-          <p:cNvPr id="3" name="Content Placeholder 2"/>
-          <p:cNvSpPr>
-            <a:spLocks noGrp="1"/>
-          </p:cNvSpPr>
-          <p:nvPr>
-            <p:ph idx="1"/>
-          </p:nvPr>
-        </p:nvSpPr>
-        <p:spPr/>
-        <p:txBody>
-          <a:bodyPr/>
-          <a:lstStyle/>
-          <a:p>
-            <a:pPr lvl="0" marL="0" indent="0">
-              <a:buNone/>
-            </a:pPr>
-            <a:r>
-              <a:rPr/>
-              <a:t>::: ::: {.column width=“70%”}</a:t>
-            </a:r>
-          </a:p>
-        </p:txBody>
-      </p:sp>
-    </p:spTree>
-  </p:cSld>
-</p:sld>
-</file>
-
-<file path=ppt/slides/slide5.xml><?xml version="1.0" encoding="utf-8"?>
-<p:sld xmlns:a="http://schemas.openxmlformats.org/drawingml/2006/main" xmlns:r="http://schemas.openxmlformats.org/officeDocument/2006/relationships" xmlns:p="http://schemas.openxmlformats.org/presentationml/2006/main">
-  <p:cSld>
-    <p:spTree>
-      <p:nvGrpSpPr>
-        <p:cNvPr id="1" name=""/>
-        <p:cNvGrpSpPr/>
-        <p:nvPr/>
-      </p:nvGrpSpPr>
-      <p:grpSpPr>
-        <a:xfrm>
-          <a:off x="0" y="0"/>
-          <a:ext cx="0" cy="0"/>
-          <a:chOff x="0" y="0"/>
-          <a:chExt cx="0" cy="0"/>
-        </a:xfrm>
-      </p:grpSpPr>
-      <p:pic>
-        <p:nvPicPr>
-          <p:cNvPr descr="./image/2.PNG" id="0" name="Picture 1"/>
-          <p:cNvPicPr>
-            <a:picLocks noGrp="1" noChangeAspect="1"/>
-          </p:cNvPicPr>
-          <p:nvPr/>
-        </p:nvPicPr>
-        <p:blipFill>
-          <a:blip r:embed="rId2"/>
-          <a:stretch>
-            <a:fillRect/>
-          </a:stretch>
-        </p:blipFill>
-        <p:spPr bwMode="auto">
-          <a:xfrm>
-            <a:off x="1155700" y="1600200"/>
-            <a:ext cx="6832600" cy="4521200"/>
-          </a:xfrm>
-          <a:prstGeom prst="rect">
-            <a:avLst/>
-          </a:prstGeom>
-          <a:noFill/>
-          <a:ln w="9525">
-            <a:noFill/>
-            <a:headEnd/>
-            <a:tailEnd/>
-          </a:ln>
-        </p:spPr>
-      </p:pic>
-    </p:spTree>
-  </p:cSld>
-</p:sld>
-</file>
-
-<file path=ppt/slides/slide6.xml><?xml version="1.0" encoding="utf-8"?>
-<p:sld xmlns:a="http://schemas.openxmlformats.org/drawingml/2006/main" xmlns:r="http://schemas.openxmlformats.org/officeDocument/2006/relationships" xmlns:p="http://schemas.openxmlformats.org/presentationml/2006/main">
-  <p:cSld>
-    <p:spTree>
-      <p:nvGrpSpPr>
-        <p:cNvPr id="1" name=""/>
-        <p:cNvGrpSpPr/>
-        <p:nvPr/>
-      </p:nvGrpSpPr>
-      <p:grpSpPr>
-        <a:xfrm>
-          <a:off x="0" y="0"/>
-          <a:ext cx="0" cy="0"/>
-          <a:chOff x="0" y="0"/>
-          <a:chExt cx="0" cy="0"/>
-        </a:xfrm>
-      </p:grpSpPr>
-      <p:sp>
-        <p:nvSpPr>
-          <p:cNvPr id="3" name="Content Placeholder 2"/>
-          <p:cNvSpPr>
-            <a:spLocks noGrp="1"/>
-          </p:cNvSpPr>
-          <p:nvPr>
-            <p:ph idx="1"/>
-          </p:nvPr>
-        </p:nvSpPr>
-        <p:spPr/>
-        <p:txBody>
-          <a:bodyPr/>
-          <a:lstStyle/>
-          <a:p>
-            <a:pPr lvl="0" marL="0" indent="0">
-              <a:buNone/>
-            </a:pPr>
-            <a:r>
-              <a:rPr/>
-              <a:t>::: ::::::::::::::</a:t>
-            </a:r>
-          </a:p>
-        </p:txBody>
-      </p:sp>
-    </p:spTree>
-  </p:cSld>
-</p:sld>
-</file>
-
 <file path=ppt/slides/slide7.xml><?xml version="1.0" encoding="utf-8"?>
 <p:sld xmlns:a="http://schemas.openxmlformats.org/drawingml/2006/main" xmlns:r="http://schemas.openxmlformats.org/officeDocument/2006/relationships" xmlns:p="http://schemas.openxmlformats.org/presentationml/2006/main">
   <p:cSld>
@@ -5130,87 +4247,7 @@
             </a:pPr>
             <a:r>
               <a:rPr/>
-              <a:t>Изображение</a:t>
-            </a:r>
-            <a:r>
-              <a:rPr/>
-              <a:t> </a:t>
-            </a:r>
-            <a:r>
-              <a:rPr/>
-              <a:t>здания</a:t>
-            </a:r>
-            <a:r>
-              <a:rPr/>
-              <a:t> </a:t>
-            </a:r>
-            <a:r>
-              <a:rPr/>
-              <a:t>в</a:t>
-            </a:r>
-            <a:r>
-              <a:rPr/>
-              <a:t> </a:t>
-            </a:r>
-            <a:r>
-              <a:rPr/>
-              <a:t>физической</a:t>
-            </a:r>
-            <a:r>
-              <a:rPr/>
-              <a:t> </a:t>
-            </a:r>
-            <a:r>
-              <a:rPr/>
-              <a:t>рабочей</a:t>
-            </a:r>
-            <a:r>
-              <a:rPr/>
-              <a:t> </a:t>
-            </a:r>
-            <a:r>
-              <a:rPr/>
-              <a:t>области</a:t>
-            </a:r>
-            <a:r>
-              <a:rPr/>
-              <a:t> </a:t>
-            </a:r>
-            <a:r>
-              <a:rPr/>
-              <a:t>Packet</a:t>
-            </a:r>
-            <a:r>
-              <a:rPr/>
-              <a:t> </a:t>
-            </a:r>
-            <a:r>
-              <a:rPr/>
-              <a:t>Tracer</a:t>
-            </a:r>
-            <a:r>
-              <a:rPr/>
-              <a:t> </a:t>
-            </a:r>
-            <a:r>
-              <a:rPr/>
-              <a:t>(сеть</a:t>
-            </a:r>
-            <a:r>
-              <a:rPr/>
-              <a:t> </a:t>
-            </a:r>
-            <a:r>
-              <a:rPr/>
-              <a:t>территории</a:t>
-            </a:r>
-            <a:r>
-              <a:rPr/>
-              <a:t> </a:t>
-            </a:r>
-            <a:r>
-              <a:rPr/>
-              <a:t>«Донская»)</a:t>
+              <a:t>2</a:t>
             </a:r>
           </a:p>
         </p:txBody>
@@ -5222,7 +4259,7 @@
             <a:spLocks noGrp="1"/>
           </p:cNvSpPr>
           <p:nvPr>
-            <p:ph idx="1"/>
+            <p:ph idx="1" sz="half"/>
           </p:nvPr>
         </p:nvSpPr>
         <p:spPr/>
@@ -5235,11 +4272,41 @@
             </a:pPr>
             <a:r>
               <a:rPr/>
-              <a:t>::: ::: {.column width=“70%”}</a:t>
-            </a:r>
-          </a:p>
-        </p:txBody>
-      </p:sp>
+              <a:t>Физическая рабочая область Packet Tracer</a:t>
+            </a:r>
+          </a:p>
+        </p:txBody>
+      </p:sp>
+      <p:pic>
+        <p:nvPicPr>
+          <p:cNvPr descr="./image/2.PNG" id="0" name="Picture 1"/>
+          <p:cNvPicPr>
+            <a:picLocks noGrp="1" noChangeAspect="1"/>
+          </p:cNvPicPr>
+          <p:nvPr/>
+        </p:nvPicPr>
+        <p:blipFill>
+          <a:blip r:embed="rId2"/>
+          <a:stretch>
+            <a:fillRect/>
+          </a:stretch>
+        </p:blipFill>
+        <p:spPr bwMode="auto">
+          <a:xfrm>
+            <a:off x="4648200" y="2527300"/>
+            <a:ext cx="4038600" cy="2667000"/>
+          </a:xfrm>
+          <a:prstGeom prst="rect">
+            <a:avLst/>
+          </a:prstGeom>
+          <a:noFill/>
+          <a:ln w="9525">
+            <a:noFill/>
+            <a:headEnd/>
+            <a:tailEnd/>
+          </a:ln>
+        </p:spPr>
+      </p:pic>
     </p:spTree>
   </p:cSld>
 </p:sld>
@@ -5262,6 +4329,56 @@
           <a:chExt cx="0" cy="0"/>
         </a:xfrm>
       </p:grpSpPr>
+      <p:sp>
+        <p:nvSpPr>
+          <p:cNvPr id="2" name="Title 1"/>
+          <p:cNvSpPr>
+            <a:spLocks noGrp="1"/>
+          </p:cNvSpPr>
+          <p:nvPr>
+            <p:ph type="title"/>
+          </p:nvPr>
+        </p:nvSpPr>
+        <p:spPr/>
+        <p:txBody>
+          <a:bodyPr/>
+          <a:lstStyle/>
+          <a:p>
+            <a:pPr lvl="0" marL="0" indent="0">
+              <a:buNone/>
+            </a:pPr>
+            <a:r>
+              <a:rPr/>
+              <a:t>3</a:t>
+            </a:r>
+          </a:p>
+        </p:txBody>
+      </p:sp>
+      <p:sp>
+        <p:nvSpPr>
+          <p:cNvPr id="3" name="Content Placeholder 2"/>
+          <p:cNvSpPr>
+            <a:spLocks noGrp="1"/>
+          </p:cNvSpPr>
+          <p:nvPr>
+            <p:ph idx="1" sz="half"/>
+          </p:nvPr>
+        </p:nvSpPr>
+        <p:spPr/>
+        <p:txBody>
+          <a:bodyPr/>
+          <a:lstStyle/>
+          <a:p>
+            <a:pPr lvl="0" marL="0" indent="0">
+              <a:buNone/>
+            </a:pPr>
+            <a:r>
+              <a:rPr/>
+              <a:t>Изображение здания в физической рабочей области Packet Tracer (сеть территории «Донская»)</a:t>
+            </a:r>
+          </a:p>
+        </p:txBody>
+      </p:sp>
       <p:pic>
         <p:nvPicPr>
           <p:cNvPr descr="./image/3.PNG" id="0" name="Picture 1"/>
@@ -5278,8 +4395,8 @@
         </p:blipFill>
         <p:spPr bwMode="auto">
           <a:xfrm>
-            <a:off x="1270000" y="1600200"/>
-            <a:ext cx="6604000" cy="4521200"/>
+            <a:off x="4648200" y="2476500"/>
+            <a:ext cx="4038600" cy="2768600"/>
           </a:xfrm>
           <a:prstGeom prst="rect">
             <a:avLst/>
@@ -5316,12 +4433,37 @@
       </p:grpSpPr>
       <p:sp>
         <p:nvSpPr>
+          <p:cNvPr id="2" name="Title 1"/>
+          <p:cNvSpPr>
+            <a:spLocks noGrp="1"/>
+          </p:cNvSpPr>
+          <p:nvPr>
+            <p:ph type="title"/>
+          </p:nvPr>
+        </p:nvSpPr>
+        <p:spPr/>
+        <p:txBody>
+          <a:bodyPr/>
+          <a:lstStyle/>
+          <a:p>
+            <a:pPr lvl="0" marL="0" indent="0">
+              <a:buNone/>
+            </a:pPr>
+            <a:r>
+              <a:rPr/>
+              <a:t>4</a:t>
+            </a:r>
+          </a:p>
+        </p:txBody>
+      </p:sp>
+      <p:sp>
+        <p:nvSpPr>
           <p:cNvPr id="3" name="Content Placeholder 2"/>
           <p:cNvSpPr>
             <a:spLocks noGrp="1"/>
           </p:cNvSpPr>
           <p:nvPr>
-            <p:ph idx="1"/>
+            <p:ph idx="1" sz="half"/>
           </p:nvPr>
         </p:nvSpPr>
         <p:spPr/>
@@ -5334,11 +4476,41 @@
             </a:pPr>
             <a:r>
               <a:rPr/>
-              <a:t>::: ::::::::::::::</a:t>
-            </a:r>
-          </a:p>
-        </p:txBody>
-      </p:sp>
+              <a:t>Пример размещения в физической рабочей области Packet Tracer серверной с подключением оконечных устройств (сеть территории «Донская»)</a:t>
+            </a:r>
+          </a:p>
+        </p:txBody>
+      </p:sp>
+      <p:pic>
+        <p:nvPicPr>
+          <p:cNvPr descr="./image/4.PNG" id="0" name="Picture 1"/>
+          <p:cNvPicPr>
+            <a:picLocks noGrp="1" noChangeAspect="1"/>
+          </p:cNvPicPr>
+          <p:nvPr/>
+        </p:nvPicPr>
+        <p:blipFill>
+          <a:blip r:embed="rId2"/>
+          <a:stretch>
+            <a:fillRect/>
+          </a:stretch>
+        </p:blipFill>
+        <p:spPr bwMode="auto">
+          <a:xfrm>
+            <a:off x="4648200" y="2311400"/>
+            <a:ext cx="4038600" cy="3098800"/>
+          </a:xfrm>
+          <a:prstGeom prst="rect">
+            <a:avLst/>
+          </a:prstGeom>
+          <a:noFill/>
+          <a:ln w="9525">
+            <a:noFill/>
+            <a:headEnd/>
+            <a:tailEnd/>
+          </a:ln>
+        </p:spPr>
+      </p:pic>
     </p:spTree>
   </p:cSld>
 </p:sld>
